--- a/slides/Preliminary Data Analysis (Group 1).pptx
+++ b/slides/Preliminary Data Analysis (Group 1).pptx
@@ -7,7 +7,6 @@
   <p:sldIdLst>
     <p:sldId id="257" r:id="rId2"/>
     <p:sldId id="259" r:id="rId3"/>
-    <p:sldId id="256" r:id="rId4"/>
   </p:sldIdLst>
   <p:sldSz cx="12192000" cy="6858000"/>
   <p:notesSz cx="6858000" cy="9144000"/>
@@ -2114,7 +2113,7 @@
           <a:p>
             <a:fld id="{5DA3CBFD-0DD3-4EBB-90A5-BCA1C4419915}" type="datetimeFigureOut">
               <a:rPr lang="en-GB" smtClean="0"/>
-              <a:t>25/09/2022</a:t>
+              <a:t>26/09/2022</a:t>
             </a:fld>
             <a:endParaRPr lang="en-GB"/>
           </a:p>
@@ -2444,7 +2443,7 @@
           <a:p>
             <a:fld id="{5DA3CBFD-0DD3-4EBB-90A5-BCA1C4419915}" type="datetimeFigureOut">
               <a:rPr lang="en-GB" smtClean="0"/>
-              <a:t>25/09/2022</a:t>
+              <a:t>26/09/2022</a:t>
             </a:fld>
             <a:endParaRPr lang="en-GB"/>
           </a:p>
@@ -2624,7 +2623,7 @@
           <a:p>
             <a:fld id="{5DA3CBFD-0DD3-4EBB-90A5-BCA1C4419915}" type="datetimeFigureOut">
               <a:rPr lang="en-GB" smtClean="0"/>
-              <a:t>25/09/2022</a:t>
+              <a:t>26/09/2022</a:t>
             </a:fld>
             <a:endParaRPr lang="en-GB"/>
           </a:p>
@@ -2794,7 +2793,7 @@
           <a:p>
             <a:fld id="{5DA3CBFD-0DD3-4EBB-90A5-BCA1C4419915}" type="datetimeFigureOut">
               <a:rPr lang="en-GB" smtClean="0"/>
-              <a:t>25/09/2022</a:t>
+              <a:t>26/09/2022</a:t>
             </a:fld>
             <a:endParaRPr lang="en-GB"/>
           </a:p>
@@ -3071,7 +3070,7 @@
           <a:p>
             <a:fld id="{5DA3CBFD-0DD3-4EBB-90A5-BCA1C4419915}" type="datetimeFigureOut">
               <a:rPr lang="en-GB" smtClean="0"/>
-              <a:t>25/09/2022</a:t>
+              <a:t>26/09/2022</a:t>
             </a:fld>
             <a:endParaRPr lang="en-GB"/>
           </a:p>
@@ -3465,7 +3464,7 @@
           <a:p>
             <a:fld id="{5DA3CBFD-0DD3-4EBB-90A5-BCA1C4419915}" type="datetimeFigureOut">
               <a:rPr lang="en-GB" smtClean="0"/>
-              <a:t>25/09/2022</a:t>
+              <a:t>26/09/2022</a:t>
             </a:fld>
             <a:endParaRPr lang="en-GB"/>
           </a:p>
@@ -3942,7 +3941,7 @@
           <a:p>
             <a:fld id="{5DA3CBFD-0DD3-4EBB-90A5-BCA1C4419915}" type="datetimeFigureOut">
               <a:rPr lang="en-GB" smtClean="0"/>
-              <a:t>25/09/2022</a:t>
+              <a:t>26/09/2022</a:t>
             </a:fld>
             <a:endParaRPr lang="en-GB"/>
           </a:p>
@@ -4060,7 +4059,7 @@
           <a:p>
             <a:fld id="{5DA3CBFD-0DD3-4EBB-90A5-BCA1C4419915}" type="datetimeFigureOut">
               <a:rPr lang="en-GB" smtClean="0"/>
-              <a:t>25/09/2022</a:t>
+              <a:t>26/09/2022</a:t>
             </a:fld>
             <a:endParaRPr lang="en-GB"/>
           </a:p>
@@ -4155,7 +4154,7 @@
           <a:p>
             <a:fld id="{5DA3CBFD-0DD3-4EBB-90A5-BCA1C4419915}" type="datetimeFigureOut">
               <a:rPr lang="en-GB" smtClean="0"/>
-              <a:t>25/09/2022</a:t>
+              <a:t>26/09/2022</a:t>
             </a:fld>
             <a:endParaRPr lang="en-GB"/>
           </a:p>
@@ -4501,7 +4500,7 @@
           <a:p>
             <a:fld id="{5DA3CBFD-0DD3-4EBB-90A5-BCA1C4419915}" type="datetimeFigureOut">
               <a:rPr lang="en-GB" smtClean="0"/>
-              <a:t>25/09/2022</a:t>
+              <a:t>26/09/2022</a:t>
             </a:fld>
             <a:endParaRPr lang="en-GB"/>
           </a:p>
@@ -4889,7 +4888,7 @@
           <a:p>
             <a:fld id="{5DA3CBFD-0DD3-4EBB-90A5-BCA1C4419915}" type="datetimeFigureOut">
               <a:rPr lang="en-GB" smtClean="0"/>
-              <a:t>25/09/2022</a:t>
+              <a:t>26/09/2022</a:t>
             </a:fld>
             <a:endParaRPr lang="en-GB"/>
           </a:p>
@@ -5167,7 +5166,7 @@
           <a:p>
             <a:fld id="{5DA3CBFD-0DD3-4EBB-90A5-BCA1C4419915}" type="datetimeFigureOut">
               <a:rPr lang="en-GB" smtClean="0"/>
-              <a:t>25/09/2022</a:t>
+              <a:t>26/09/2022</a:t>
             </a:fld>
             <a:endParaRPr lang="en-GB"/>
           </a:p>
@@ -5728,14 +5727,14 @@
             <p:ph idx="1"/>
             <p:extLst>
               <p:ext uri="{D42A27DB-BD31-4B8C-83A1-F6EECF244321}">
-                <p14:modId xmlns:p14="http://schemas.microsoft.com/office/powerpoint/2010/main" val="224526191"/>
+                <p14:modId xmlns:p14="http://schemas.microsoft.com/office/powerpoint/2010/main" val="3814761043"/>
               </p:ext>
             </p:extLst>
           </p:nvPr>
         </p:nvGraphicFramePr>
         <p:xfrm>
-          <a:off x="-1775012" y="1721795"/>
-          <a:ext cx="9601200" cy="3715299"/>
+          <a:off x="1309650" y="1721795"/>
+          <a:ext cx="4356000" cy="2720810"/>
         </p:xfrm>
         <a:graphic>
           <a:graphicData uri="http://schemas.openxmlformats.org/drawingml/2006/chart">
@@ -5758,14 +5757,14 @@
           <p:nvPr>
             <p:extLst>
               <p:ext uri="{D42A27DB-BD31-4B8C-83A1-F6EECF244321}">
-                <p14:modId xmlns:p14="http://schemas.microsoft.com/office/powerpoint/2010/main" val="3221099731"/>
+                <p14:modId xmlns:p14="http://schemas.microsoft.com/office/powerpoint/2010/main" val="1926050358"/>
               </p:ext>
             </p:extLst>
           </p:nvPr>
         </p:nvGraphicFramePr>
         <p:xfrm>
-          <a:off x="5820626" y="1721795"/>
-          <a:ext cx="5949842" cy="3715298"/>
+          <a:off x="6190929" y="1721795"/>
+          <a:ext cx="4357223" cy="2720809"/>
         </p:xfrm>
         <a:graphic>
           <a:graphicData uri="http://schemas.openxmlformats.org/drawingml/2006/chart">
@@ -5773,1015 +5772,28 @@
           </a:graphicData>
         </a:graphic>
       </p:graphicFrame>
-    </p:spTree>
-    <p:extLst>
-      <p:ext uri="{BB962C8B-B14F-4D97-AF65-F5344CB8AC3E}">
-        <p14:creationId xmlns:p14="http://schemas.microsoft.com/office/powerpoint/2010/main" val="1572316460"/>
-      </p:ext>
-    </p:extLst>
-  </p:cSld>
-  <p:clrMapOvr>
-    <a:masterClrMapping/>
-  </p:clrMapOvr>
-</p:sld>
-</file>
-
-<file path=ppt/slides/slide2.xml><?xml version="1.0" encoding="utf-8"?>
-<p:sld xmlns:a="http://schemas.openxmlformats.org/drawingml/2006/main" xmlns:r="http://schemas.openxmlformats.org/officeDocument/2006/relationships" xmlns:p="http://schemas.openxmlformats.org/presentationml/2006/main">
-  <p:cSld>
-    <p:spTree>
-      <p:nvGrpSpPr>
-        <p:cNvPr id="1" name=""/>
-        <p:cNvGrpSpPr/>
-        <p:nvPr/>
-      </p:nvGrpSpPr>
-      <p:grpSpPr>
-        <a:xfrm>
-          <a:off x="0" y="0"/>
-          <a:ext cx="0" cy="0"/>
-          <a:chOff x="0" y="0"/>
-          <a:chExt cx="0" cy="0"/>
-        </a:xfrm>
-      </p:grpSpPr>
-      <p:sp>
-        <p:nvSpPr>
-          <p:cNvPr id="2" name="Titel 1">
+      <p:graphicFrame>
+        <p:nvGraphicFramePr>
+          <p:cNvPr id="3" name="Tabel 11">
             <a:extLst>
               <a:ext uri="{FF2B5EF4-FFF2-40B4-BE49-F238E27FC236}">
-                <a16:creationId xmlns:a16="http://schemas.microsoft.com/office/drawing/2014/main" id="{6E80ACF8-2289-3ACA-8F44-DA4E09A174AF}"/>
-              </a:ext>
-            </a:extLst>
-          </p:cNvPr>
-          <p:cNvSpPr>
-            <a:spLocks noGrp="1"/>
-          </p:cNvSpPr>
-          <p:nvPr>
-            <p:ph type="title"/>
-          </p:nvPr>
-        </p:nvSpPr>
-        <p:spPr/>
-        <p:txBody>
-          <a:bodyPr/>
-          <a:lstStyle/>
-          <a:p>
-            <a:r>
-              <a:rPr lang="en-GB" b="1" dirty="0"/>
-              <a:t>Preliminary Data Analysis </a:t>
-            </a:r>
-            <a:r>
-              <a:rPr lang="en-GB" dirty="0"/>
-              <a:t>(Group 1)</a:t>
-            </a:r>
-            <a:endParaRPr lang="nl-NL" dirty="0"/>
-          </a:p>
-        </p:txBody>
-      </p:sp>
-      <p:graphicFrame>
-        <p:nvGraphicFramePr>
-          <p:cNvPr id="4" name="Tabel 4">
-            <a:extLst>
-              <a:ext uri="{FF2B5EF4-FFF2-40B4-BE49-F238E27FC236}">
-                <a16:creationId xmlns:a16="http://schemas.microsoft.com/office/drawing/2014/main" id="{6FB28C4F-7B3A-969D-479B-19D52D5AA164}"/>
+                <a16:creationId xmlns:a16="http://schemas.microsoft.com/office/drawing/2014/main" id="{FC5DE6F8-E0F5-F75C-AF05-489210C8BE8D}"/>
               </a:ext>
             </a:extLst>
           </p:cNvPr>
           <p:cNvGraphicFramePr>
-            <a:graphicFrameLocks noGrp="1"/>
+            <a:graphicFrameLocks/>
           </p:cNvGraphicFramePr>
           <p:nvPr>
-            <p:ph idx="1"/>
             <p:extLst>
               <p:ext uri="{D42A27DB-BD31-4B8C-83A1-F6EECF244321}">
-                <p14:modId xmlns:p14="http://schemas.microsoft.com/office/powerpoint/2010/main" val="1276696343"/>
+                <p14:modId xmlns:p14="http://schemas.microsoft.com/office/powerpoint/2010/main" val="4239016980"/>
               </p:ext>
             </p:extLst>
           </p:nvPr>
         </p:nvGraphicFramePr>
         <p:xfrm>
-          <a:off x="1219203" y="1642783"/>
-          <a:ext cx="9601197" cy="4725146"/>
-        </p:xfrm>
-        <a:graphic>
-          <a:graphicData uri="http://schemas.openxmlformats.org/drawingml/2006/table">
-            <a:tbl>
-              <a:tblPr firstRow="1" bandRow="1">
-                <a:tableStyleId>{073A0DAA-6AF3-43AB-8588-CEC1D06C72B9}</a:tableStyleId>
-              </a:tblPr>
-              <a:tblGrid>
-                <a:gridCol w="2394856">
-                  <a:extLst>
-                    <a:ext uri="{9D8B030D-6E8A-4147-A177-3AD203B41FA5}">
-                      <a16:colId xmlns:a16="http://schemas.microsoft.com/office/drawing/2014/main" val="994006166"/>
-                    </a:ext>
-                  </a:extLst>
-                </a:gridCol>
-                <a:gridCol w="5162388">
-                  <a:extLst>
-                    <a:ext uri="{9D8B030D-6E8A-4147-A177-3AD203B41FA5}">
-                      <a16:colId xmlns:a16="http://schemas.microsoft.com/office/drawing/2014/main" val="538625137"/>
-                    </a:ext>
-                  </a:extLst>
-                </a:gridCol>
-                <a:gridCol w="2043953">
-                  <a:extLst>
-                    <a:ext uri="{9D8B030D-6E8A-4147-A177-3AD203B41FA5}">
-                      <a16:colId xmlns:a16="http://schemas.microsoft.com/office/drawing/2014/main" val="874477563"/>
-                    </a:ext>
-                  </a:extLst>
-                </a:gridCol>
-              </a:tblGrid>
-              <a:tr h="370840">
-                <a:tc>
-                  <a:txBody>
-                    <a:bodyPr/>
-                    <a:lstStyle/>
-                    <a:p>
-                      <a:r>
-                        <a:rPr lang="nl-NL" dirty="0" err="1"/>
-                        <a:t>Category</a:t>
-                      </a:r>
-                      <a:r>
-                        <a:rPr lang="nl-NL" dirty="0"/>
-                        <a:t> </a:t>
-                      </a:r>
-                      <a:r>
-                        <a:rPr lang="nl-NL" dirty="0" err="1"/>
-                        <a:t>Task</a:t>
-                      </a:r>
-                      <a:r>
-                        <a:rPr lang="nl-NL" dirty="0"/>
-                        <a:t> B</a:t>
-                      </a:r>
-                    </a:p>
-                  </a:txBody>
-                  <a:tcPr/>
-                </a:tc>
-                <a:tc>
-                  <a:txBody>
-                    <a:bodyPr/>
-                    <a:lstStyle/>
-                    <a:p>
-                      <a:r>
-                        <a:rPr lang="nl-NL" dirty="0" err="1"/>
-                        <a:t>Category</a:t>
-                      </a:r>
-                      <a:r>
-                        <a:rPr lang="nl-NL" dirty="0"/>
-                        <a:t> </a:t>
-                      </a:r>
-                      <a:r>
-                        <a:rPr lang="nl-NL" dirty="0" err="1"/>
-                        <a:t>Task</a:t>
-                      </a:r>
-                      <a:r>
-                        <a:rPr lang="nl-NL" dirty="0"/>
-                        <a:t> C</a:t>
-                      </a:r>
-                    </a:p>
-                  </a:txBody>
-                  <a:tcPr/>
-                </a:tc>
-                <a:tc>
-                  <a:txBody>
-                    <a:bodyPr/>
-                    <a:lstStyle/>
-                    <a:p>
-                      <a:r>
-                        <a:rPr lang="nl-NL" dirty="0"/>
-                        <a:t>Percentage (of </a:t>
-                      </a:r>
-                      <a:r>
-                        <a:rPr lang="nl-NL" dirty="0" err="1"/>
-                        <a:t>sexist</a:t>
-                      </a:r>
-                      <a:r>
-                        <a:rPr lang="nl-NL" dirty="0"/>
-                        <a:t> </a:t>
-                      </a:r>
-                      <a:r>
-                        <a:rPr lang="nl-NL" dirty="0" err="1"/>
-                        <a:t>messages</a:t>
-                      </a:r>
-                      <a:r>
-                        <a:rPr lang="nl-NL" dirty="0"/>
-                        <a:t>) </a:t>
-                      </a:r>
-                    </a:p>
-                  </a:txBody>
-                  <a:tcPr/>
-                </a:tc>
-                <a:extLst>
-                  <a:ext uri="{0D108BD9-81ED-4DB2-BD59-A6C34878D82A}">
-                    <a16:rowId xmlns:a16="http://schemas.microsoft.com/office/drawing/2014/main" val="346618722"/>
-                  </a:ext>
-                </a:extLst>
-              </a:tr>
-              <a:tr h="370840">
-                <a:tc>
-                  <a:txBody>
-                    <a:bodyPr/>
-                    <a:lstStyle/>
-                    <a:p>
-                      <a:r>
-                        <a:rPr lang="nl-NL" dirty="0" err="1"/>
-                        <a:t>Threats</a:t>
-                      </a:r>
-                      <a:endParaRPr lang="nl-NL" dirty="0"/>
-                    </a:p>
-                  </a:txBody>
-                  <a:tcPr/>
-                </a:tc>
-                <a:tc>
-                  <a:txBody>
-                    <a:bodyPr/>
-                    <a:lstStyle/>
-                    <a:p>
-                      <a:r>
-                        <a:rPr lang="nl-NL" dirty="0" err="1"/>
-                        <a:t>Threats</a:t>
-                      </a:r>
-                      <a:r>
-                        <a:rPr lang="nl-NL" dirty="0"/>
-                        <a:t> of Harm</a:t>
-                      </a:r>
-                    </a:p>
-                  </a:txBody>
-                  <a:tcPr/>
-                </a:tc>
-                <a:tc>
-                  <a:txBody>
-                    <a:bodyPr/>
-                    <a:lstStyle/>
-                    <a:p>
-                      <a:r>
-                        <a:rPr lang="nl-NL" dirty="0"/>
-                        <a:t>1,6%</a:t>
-                      </a:r>
-                    </a:p>
-                  </a:txBody>
-                  <a:tcPr/>
-                </a:tc>
-                <a:extLst>
-                  <a:ext uri="{0D108BD9-81ED-4DB2-BD59-A6C34878D82A}">
-                    <a16:rowId xmlns:a16="http://schemas.microsoft.com/office/drawing/2014/main" val="1078567244"/>
-                  </a:ext>
-                </a:extLst>
-              </a:tr>
-              <a:tr h="376666">
-                <a:tc>
-                  <a:txBody>
-                    <a:bodyPr/>
-                    <a:lstStyle/>
-                    <a:p>
-                      <a:endParaRPr lang="nl-NL" dirty="0"/>
-                    </a:p>
-                  </a:txBody>
-                  <a:tcPr/>
-                </a:tc>
-                <a:tc>
-                  <a:txBody>
-                    <a:bodyPr/>
-                    <a:lstStyle/>
-                    <a:p>
-                      <a:r>
-                        <a:rPr lang="nl-NL" dirty="0" err="1"/>
-                        <a:t>Incitement</a:t>
-                      </a:r>
-                      <a:r>
-                        <a:rPr lang="nl-NL" dirty="0"/>
-                        <a:t> </a:t>
-                      </a:r>
-                      <a:r>
-                        <a:rPr lang="nl-NL" dirty="0" err="1"/>
-                        <a:t>and</a:t>
-                      </a:r>
-                      <a:r>
-                        <a:rPr lang="nl-NL" dirty="0"/>
-                        <a:t> </a:t>
-                      </a:r>
-                      <a:r>
-                        <a:rPr lang="nl-NL" dirty="0" err="1"/>
-                        <a:t>encouragement</a:t>
-                      </a:r>
-                      <a:r>
-                        <a:rPr lang="nl-NL" dirty="0"/>
-                        <a:t> of </a:t>
-                      </a:r>
-                      <a:r>
-                        <a:rPr lang="nl-NL" dirty="0" err="1"/>
-                        <a:t>harm</a:t>
-                      </a:r>
-                      <a:endParaRPr lang="nl-NL" dirty="0"/>
-                    </a:p>
-                  </a:txBody>
-                  <a:tcPr/>
-                </a:tc>
-                <a:tc>
-                  <a:txBody>
-                    <a:bodyPr/>
-                    <a:lstStyle/>
-                    <a:p>
-                      <a:r>
-                        <a:rPr lang="nl-NL" dirty="0"/>
-                        <a:t>7,5%</a:t>
-                      </a:r>
-                    </a:p>
-                  </a:txBody>
-                  <a:tcPr/>
-                </a:tc>
-                <a:extLst>
-                  <a:ext uri="{0D108BD9-81ED-4DB2-BD59-A6C34878D82A}">
-                    <a16:rowId xmlns:a16="http://schemas.microsoft.com/office/drawing/2014/main" val="1089931574"/>
-                  </a:ext>
-                </a:extLst>
-              </a:tr>
-              <a:tr h="370840">
-                <a:tc>
-                  <a:txBody>
-                    <a:bodyPr/>
-                    <a:lstStyle/>
-                    <a:p>
-                      <a:r>
-                        <a:rPr lang="nl-NL" dirty="0" err="1"/>
-                        <a:t>Derogation</a:t>
-                      </a:r>
-                      <a:endParaRPr lang="nl-NL" dirty="0"/>
-                    </a:p>
-                  </a:txBody>
-                  <a:tcPr/>
-                </a:tc>
-                <a:tc>
-                  <a:txBody>
-                    <a:bodyPr/>
-                    <a:lstStyle/>
-                    <a:p>
-                      <a:r>
-                        <a:rPr lang="nl-NL" dirty="0" err="1"/>
-                        <a:t>Descriptive</a:t>
-                      </a:r>
-                      <a:r>
-                        <a:rPr lang="nl-NL" dirty="0"/>
-                        <a:t> attacks</a:t>
-                      </a:r>
-                    </a:p>
-                  </a:txBody>
-                  <a:tcPr/>
-                </a:tc>
-                <a:tc>
-                  <a:txBody>
-                    <a:bodyPr/>
-                    <a:lstStyle/>
-                    <a:p>
-                      <a:r>
-                        <a:rPr lang="nl-NL" dirty="0"/>
-                        <a:t>21,2%</a:t>
-                      </a:r>
-                    </a:p>
-                  </a:txBody>
-                  <a:tcPr/>
-                </a:tc>
-                <a:extLst>
-                  <a:ext uri="{0D108BD9-81ED-4DB2-BD59-A6C34878D82A}">
-                    <a16:rowId xmlns:a16="http://schemas.microsoft.com/office/drawing/2014/main" val="1454434752"/>
-                  </a:ext>
-                </a:extLst>
-              </a:tr>
-              <a:tr h="370840">
-                <a:tc>
-                  <a:txBody>
-                    <a:bodyPr/>
-                    <a:lstStyle/>
-                    <a:p>
-                      <a:endParaRPr lang="nl-NL"/>
-                    </a:p>
-                  </a:txBody>
-                  <a:tcPr/>
-                </a:tc>
-                <a:tc>
-                  <a:txBody>
-                    <a:bodyPr/>
-                    <a:lstStyle/>
-                    <a:p>
-                      <a:r>
-                        <a:rPr lang="nl-NL" dirty="0" err="1"/>
-                        <a:t>Aggressive</a:t>
-                      </a:r>
-                      <a:r>
-                        <a:rPr lang="nl-NL" dirty="0"/>
-                        <a:t> </a:t>
-                      </a:r>
-                      <a:r>
-                        <a:rPr lang="nl-NL" dirty="0" err="1"/>
-                        <a:t>and</a:t>
-                      </a:r>
-                      <a:r>
-                        <a:rPr lang="nl-NL" dirty="0"/>
-                        <a:t> </a:t>
-                      </a:r>
-                      <a:r>
-                        <a:rPr lang="nl-NL" dirty="0" err="1"/>
-                        <a:t>emotive</a:t>
-                      </a:r>
-                      <a:r>
-                        <a:rPr lang="nl-NL" dirty="0"/>
-                        <a:t> attacks</a:t>
-                      </a:r>
-                    </a:p>
-                  </a:txBody>
-                  <a:tcPr/>
-                </a:tc>
-                <a:tc>
-                  <a:txBody>
-                    <a:bodyPr/>
-                    <a:lstStyle/>
-                    <a:p>
-                      <a:r>
-                        <a:rPr lang="nl-NL" dirty="0"/>
-                        <a:t>19,8%</a:t>
-                      </a:r>
-                    </a:p>
-                  </a:txBody>
-                  <a:tcPr/>
-                </a:tc>
-                <a:extLst>
-                  <a:ext uri="{0D108BD9-81ED-4DB2-BD59-A6C34878D82A}">
-                    <a16:rowId xmlns:a16="http://schemas.microsoft.com/office/drawing/2014/main" val="2976594338"/>
-                  </a:ext>
-                </a:extLst>
-              </a:tr>
-              <a:tr h="370840">
-                <a:tc>
-                  <a:txBody>
-                    <a:bodyPr/>
-                    <a:lstStyle/>
-                    <a:p>
-                      <a:endParaRPr lang="nl-NL"/>
-                    </a:p>
-                  </a:txBody>
-                  <a:tcPr/>
-                </a:tc>
-                <a:tc>
-                  <a:txBody>
-                    <a:bodyPr/>
-                    <a:lstStyle/>
-                    <a:p>
-                      <a:r>
-                        <a:rPr lang="nl-NL" dirty="0" err="1"/>
-                        <a:t>Dehumanisation</a:t>
-                      </a:r>
-                      <a:r>
-                        <a:rPr lang="nl-NL" dirty="0"/>
-                        <a:t> </a:t>
-                      </a:r>
-                      <a:r>
-                        <a:rPr lang="nl-NL" dirty="0" err="1"/>
-                        <a:t>and</a:t>
-                      </a:r>
-                      <a:r>
-                        <a:rPr lang="nl-NL" dirty="0"/>
-                        <a:t> </a:t>
-                      </a:r>
-                      <a:r>
-                        <a:rPr lang="nl-NL" dirty="0" err="1"/>
-                        <a:t>overt</a:t>
-                      </a:r>
-                      <a:r>
-                        <a:rPr lang="nl-NL" dirty="0"/>
-                        <a:t> </a:t>
-                      </a:r>
-                      <a:r>
-                        <a:rPr lang="nl-NL" dirty="0" err="1"/>
-                        <a:t>sexual</a:t>
-                      </a:r>
-                      <a:r>
-                        <a:rPr lang="nl-NL" dirty="0"/>
-                        <a:t> </a:t>
-                      </a:r>
-                      <a:r>
-                        <a:rPr lang="nl-NL" dirty="0" err="1"/>
-                        <a:t>objectification</a:t>
-                      </a:r>
-                      <a:endParaRPr lang="nl-NL" dirty="0"/>
-                    </a:p>
-                  </a:txBody>
-                  <a:tcPr/>
-                </a:tc>
-                <a:tc>
-                  <a:txBody>
-                    <a:bodyPr/>
-                    <a:lstStyle/>
-                    <a:p>
-                      <a:r>
-                        <a:rPr lang="nl-NL" dirty="0"/>
-                        <a:t>5,9%</a:t>
-                      </a:r>
-                    </a:p>
-                  </a:txBody>
-                  <a:tcPr/>
-                </a:tc>
-                <a:extLst>
-                  <a:ext uri="{0D108BD9-81ED-4DB2-BD59-A6C34878D82A}">
-                    <a16:rowId xmlns:a16="http://schemas.microsoft.com/office/drawing/2014/main" val="380016199"/>
-                  </a:ext>
-                </a:extLst>
-              </a:tr>
-              <a:tr h="370840">
-                <a:tc>
-                  <a:txBody>
-                    <a:bodyPr/>
-                    <a:lstStyle/>
-                    <a:p>
-                      <a:r>
-                        <a:rPr lang="nl-NL" dirty="0" err="1"/>
-                        <a:t>Animosity</a:t>
-                      </a:r>
-                      <a:endParaRPr lang="nl-NL" dirty="0"/>
-                    </a:p>
-                  </a:txBody>
-                  <a:tcPr/>
-                </a:tc>
-                <a:tc>
-                  <a:txBody>
-                    <a:bodyPr/>
-                    <a:lstStyle/>
-                    <a:p>
-                      <a:r>
-                        <a:rPr lang="nl-NL" dirty="0"/>
-                        <a:t>Casual </a:t>
-                      </a:r>
-                      <a:r>
-                        <a:rPr lang="nl-NL" dirty="0" err="1"/>
-                        <a:t>use</a:t>
-                      </a:r>
-                      <a:r>
-                        <a:rPr lang="nl-NL" dirty="0"/>
-                        <a:t> of </a:t>
-                      </a:r>
-                      <a:r>
-                        <a:rPr lang="nl-NL" dirty="0" err="1"/>
-                        <a:t>gendered</a:t>
-                      </a:r>
-                      <a:r>
-                        <a:rPr lang="nl-NL" dirty="0"/>
-                        <a:t> </a:t>
-                      </a:r>
-                      <a:r>
-                        <a:rPr lang="nl-NL" dirty="0" err="1"/>
-                        <a:t>slurs</a:t>
-                      </a:r>
-                      <a:r>
-                        <a:rPr lang="nl-NL" dirty="0"/>
-                        <a:t>, </a:t>
-                      </a:r>
-                      <a:r>
-                        <a:rPr lang="nl-NL" dirty="0" err="1"/>
-                        <a:t>profanities</a:t>
-                      </a:r>
-                      <a:r>
-                        <a:rPr lang="nl-NL" dirty="0"/>
-                        <a:t> &amp; </a:t>
-                      </a:r>
-                      <a:r>
-                        <a:rPr lang="nl-NL" dirty="0" err="1"/>
-                        <a:t>insults</a:t>
-                      </a:r>
-                      <a:endParaRPr lang="nl-NL" dirty="0"/>
-                    </a:p>
-                  </a:txBody>
-                  <a:tcPr/>
-                </a:tc>
-                <a:tc>
-                  <a:txBody>
-                    <a:bodyPr/>
-                    <a:lstStyle/>
-                    <a:p>
-                      <a:r>
-                        <a:rPr lang="nl-NL" dirty="0"/>
-                        <a:t>18,7%</a:t>
-                      </a:r>
-                    </a:p>
-                  </a:txBody>
-                  <a:tcPr/>
-                </a:tc>
-                <a:extLst>
-                  <a:ext uri="{0D108BD9-81ED-4DB2-BD59-A6C34878D82A}">
-                    <a16:rowId xmlns:a16="http://schemas.microsoft.com/office/drawing/2014/main" val="3679017217"/>
-                  </a:ext>
-                </a:extLst>
-              </a:tr>
-              <a:tr h="370840">
-                <a:tc>
-                  <a:txBody>
-                    <a:bodyPr/>
-                    <a:lstStyle/>
-                    <a:p>
-                      <a:endParaRPr lang="nl-NL" dirty="0"/>
-                    </a:p>
-                  </a:txBody>
-                  <a:tcPr/>
-                </a:tc>
-                <a:tc>
-                  <a:txBody>
-                    <a:bodyPr/>
-                    <a:lstStyle/>
-                    <a:p>
-                      <a:r>
-                        <a:rPr lang="nl-NL" dirty="0" err="1"/>
-                        <a:t>Immutable</a:t>
-                      </a:r>
-                      <a:r>
-                        <a:rPr lang="nl-NL" dirty="0"/>
-                        <a:t> gender stereotypes</a:t>
-                      </a:r>
-                    </a:p>
-                  </a:txBody>
-                  <a:tcPr/>
-                </a:tc>
-                <a:tc>
-                  <a:txBody>
-                    <a:bodyPr/>
-                    <a:lstStyle/>
-                    <a:p>
-                      <a:r>
-                        <a:rPr lang="nl-NL" dirty="0"/>
-                        <a:t>12,3%</a:t>
-                      </a:r>
-                    </a:p>
-                  </a:txBody>
-                  <a:tcPr/>
-                </a:tc>
-                <a:extLst>
-                  <a:ext uri="{0D108BD9-81ED-4DB2-BD59-A6C34878D82A}">
-                    <a16:rowId xmlns:a16="http://schemas.microsoft.com/office/drawing/2014/main" val="245040289"/>
-                  </a:ext>
-                </a:extLst>
-              </a:tr>
-              <a:tr h="370840">
-                <a:tc>
-                  <a:txBody>
-                    <a:bodyPr/>
-                    <a:lstStyle/>
-                    <a:p>
-                      <a:endParaRPr lang="nl-NL" dirty="0"/>
-                    </a:p>
-                  </a:txBody>
-                  <a:tcPr/>
-                </a:tc>
-                <a:tc>
-                  <a:txBody>
-                    <a:bodyPr/>
-                    <a:lstStyle/>
-                    <a:p>
-                      <a:r>
-                        <a:rPr lang="nl-NL" dirty="0" err="1"/>
-                        <a:t>Backhanded</a:t>
-                      </a:r>
-                      <a:r>
-                        <a:rPr lang="nl-NL" dirty="0"/>
-                        <a:t> </a:t>
-                      </a:r>
-                      <a:r>
-                        <a:rPr lang="nl-NL" dirty="0" err="1"/>
-                        <a:t>gendered</a:t>
-                      </a:r>
-                      <a:r>
-                        <a:rPr lang="nl-NL" dirty="0"/>
-                        <a:t> </a:t>
-                      </a:r>
-                      <a:r>
-                        <a:rPr lang="nl-NL" dirty="0" err="1"/>
-                        <a:t>compliments</a:t>
-                      </a:r>
-                      <a:endParaRPr lang="nl-NL" dirty="0"/>
-                    </a:p>
-                  </a:txBody>
-                  <a:tcPr/>
-                </a:tc>
-                <a:tc>
-                  <a:txBody>
-                    <a:bodyPr/>
-                    <a:lstStyle/>
-                    <a:p>
-                      <a:r>
-                        <a:rPr lang="nl-NL" dirty="0"/>
-                        <a:t>1,9%</a:t>
-                      </a:r>
-                    </a:p>
-                  </a:txBody>
-                  <a:tcPr/>
-                </a:tc>
-                <a:extLst>
-                  <a:ext uri="{0D108BD9-81ED-4DB2-BD59-A6C34878D82A}">
-                    <a16:rowId xmlns:a16="http://schemas.microsoft.com/office/drawing/2014/main" val="1057754766"/>
-                  </a:ext>
-                </a:extLst>
-              </a:tr>
-              <a:tr h="370840">
-                <a:tc>
-                  <a:txBody>
-                    <a:bodyPr/>
-                    <a:lstStyle/>
-                    <a:p>
-                      <a:endParaRPr lang="nl-NL" dirty="0"/>
-                    </a:p>
-                  </a:txBody>
-                  <a:tcPr/>
-                </a:tc>
-                <a:tc>
-                  <a:txBody>
-                    <a:bodyPr/>
-                    <a:lstStyle/>
-                    <a:p>
-                      <a:r>
-                        <a:rPr lang="nl-NL" dirty="0" err="1"/>
-                        <a:t>Condescending</a:t>
-                      </a:r>
-                      <a:r>
-                        <a:rPr lang="nl-NL" dirty="0"/>
-                        <a:t> </a:t>
-                      </a:r>
-                      <a:r>
-                        <a:rPr lang="nl-NL" dirty="0" err="1"/>
-                        <a:t>explanations</a:t>
-                      </a:r>
-                      <a:r>
-                        <a:rPr lang="nl-NL" dirty="0"/>
-                        <a:t> or </a:t>
-                      </a:r>
-                      <a:r>
-                        <a:rPr lang="nl-NL" dirty="0" err="1"/>
-                        <a:t>unwelcome</a:t>
-                      </a:r>
-                      <a:r>
-                        <a:rPr lang="nl-NL" dirty="0"/>
-                        <a:t> </a:t>
-                      </a:r>
-                      <a:r>
-                        <a:rPr lang="nl-NL" dirty="0" err="1"/>
-                        <a:t>advice</a:t>
-                      </a:r>
-                      <a:endParaRPr lang="nl-NL" dirty="0"/>
-                    </a:p>
-                  </a:txBody>
-                  <a:tcPr/>
-                </a:tc>
-                <a:tc>
-                  <a:txBody>
-                    <a:bodyPr/>
-                    <a:lstStyle/>
-                    <a:p>
-                      <a:r>
-                        <a:rPr lang="nl-NL" dirty="0"/>
-                        <a:t>1,4%</a:t>
-                      </a:r>
-                    </a:p>
-                  </a:txBody>
-                  <a:tcPr/>
-                </a:tc>
-                <a:extLst>
-                  <a:ext uri="{0D108BD9-81ED-4DB2-BD59-A6C34878D82A}">
-                    <a16:rowId xmlns:a16="http://schemas.microsoft.com/office/drawing/2014/main" val="254567930"/>
-                  </a:ext>
-                </a:extLst>
-              </a:tr>
-              <a:tr h="370840">
-                <a:tc>
-                  <a:txBody>
-                    <a:bodyPr/>
-                    <a:lstStyle/>
-                    <a:p>
-                      <a:r>
-                        <a:rPr lang="nl-NL" dirty="0" err="1"/>
-                        <a:t>Prejudiced</a:t>
-                      </a:r>
-                      <a:r>
-                        <a:rPr lang="nl-NL" dirty="0"/>
-                        <a:t> </a:t>
-                      </a:r>
-                      <a:r>
-                        <a:rPr lang="nl-NL" dirty="0" err="1"/>
-                        <a:t>Discussion</a:t>
-                      </a:r>
-                      <a:endParaRPr lang="nl-NL" dirty="0"/>
-                    </a:p>
-                  </a:txBody>
-                  <a:tcPr/>
-                </a:tc>
-                <a:tc>
-                  <a:txBody>
-                    <a:bodyPr/>
-                    <a:lstStyle/>
-                    <a:p>
-                      <a:r>
-                        <a:rPr lang="nl-NL" dirty="0" err="1"/>
-                        <a:t>Supporting</a:t>
-                      </a:r>
-                      <a:r>
-                        <a:rPr lang="nl-NL" dirty="0"/>
-                        <a:t> mistreatment of </a:t>
-                      </a:r>
-                      <a:r>
-                        <a:rPr lang="nl-NL" dirty="0" err="1"/>
-                        <a:t>individual</a:t>
-                      </a:r>
-                      <a:r>
-                        <a:rPr lang="nl-NL" dirty="0"/>
-                        <a:t> </a:t>
-                      </a:r>
-                      <a:r>
-                        <a:rPr lang="nl-NL" dirty="0" err="1"/>
-                        <a:t>women</a:t>
-                      </a:r>
-                      <a:endParaRPr lang="nl-NL" dirty="0"/>
-                    </a:p>
-                  </a:txBody>
-                  <a:tcPr/>
-                </a:tc>
-                <a:tc>
-                  <a:txBody>
-                    <a:bodyPr/>
-                    <a:lstStyle/>
-                    <a:p>
-                      <a:r>
-                        <a:rPr lang="nl-NL" dirty="0"/>
-                        <a:t>2,2%</a:t>
-                      </a:r>
-                    </a:p>
-                  </a:txBody>
-                  <a:tcPr/>
-                </a:tc>
-                <a:extLst>
-                  <a:ext uri="{0D108BD9-81ED-4DB2-BD59-A6C34878D82A}">
-                    <a16:rowId xmlns:a16="http://schemas.microsoft.com/office/drawing/2014/main" val="1218153445"/>
-                  </a:ext>
-                </a:extLst>
-              </a:tr>
-              <a:tr h="370840">
-                <a:tc>
-                  <a:txBody>
-                    <a:bodyPr/>
-                    <a:lstStyle/>
-                    <a:p>
-                      <a:endParaRPr lang="nl-NL" dirty="0"/>
-                    </a:p>
-                  </a:txBody>
-                  <a:tcPr/>
-                </a:tc>
-                <a:tc>
-                  <a:txBody>
-                    <a:bodyPr/>
-                    <a:lstStyle/>
-                    <a:p>
-                      <a:r>
-                        <a:rPr lang="nl-NL" dirty="0" err="1"/>
-                        <a:t>Supporting</a:t>
-                      </a:r>
-                      <a:r>
-                        <a:rPr lang="nl-NL" dirty="0"/>
-                        <a:t> </a:t>
-                      </a:r>
-                      <a:r>
-                        <a:rPr lang="nl-NL" dirty="0" err="1"/>
-                        <a:t>systemic</a:t>
-                      </a:r>
-                      <a:r>
-                        <a:rPr lang="nl-NL" dirty="0"/>
-                        <a:t> </a:t>
-                      </a:r>
-                      <a:r>
-                        <a:rPr lang="nl-NL" dirty="0" err="1"/>
-                        <a:t>discrimination</a:t>
-                      </a:r>
-                      <a:r>
-                        <a:rPr lang="nl-NL" dirty="0"/>
-                        <a:t> </a:t>
-                      </a:r>
-                      <a:r>
-                        <a:rPr lang="nl-NL" dirty="0" err="1"/>
-                        <a:t>against</a:t>
-                      </a:r>
-                      <a:r>
-                        <a:rPr lang="nl-NL" dirty="0"/>
-                        <a:t> </a:t>
-                      </a:r>
-                      <a:r>
-                        <a:rPr lang="nl-NL" dirty="0" err="1"/>
-                        <a:t>women</a:t>
-                      </a:r>
-                      <a:endParaRPr lang="nl-NL" dirty="0"/>
-                    </a:p>
-                  </a:txBody>
-                  <a:tcPr/>
-                </a:tc>
-                <a:tc>
-                  <a:txBody>
-                    <a:bodyPr/>
-                    <a:lstStyle/>
-                    <a:p>
-                      <a:r>
-                        <a:rPr lang="nl-NL" dirty="0"/>
-                        <a:t>7,6%</a:t>
-                      </a:r>
-                    </a:p>
-                  </a:txBody>
-                  <a:tcPr/>
-                </a:tc>
-                <a:extLst>
-                  <a:ext uri="{0D108BD9-81ED-4DB2-BD59-A6C34878D82A}">
-                    <a16:rowId xmlns:a16="http://schemas.microsoft.com/office/drawing/2014/main" val="1927840270"/>
-                  </a:ext>
-                </a:extLst>
-              </a:tr>
-            </a:tbl>
-          </a:graphicData>
-        </a:graphic>
-      </p:graphicFrame>
-    </p:spTree>
-    <p:extLst>
-      <p:ext uri="{BB962C8B-B14F-4D97-AF65-F5344CB8AC3E}">
-        <p14:creationId xmlns:p14="http://schemas.microsoft.com/office/powerpoint/2010/main" val="334653448"/>
-      </p:ext>
-    </p:extLst>
-  </p:cSld>
-  <p:clrMapOvr>
-    <a:masterClrMapping/>
-  </p:clrMapOvr>
-</p:sld>
-</file>
-
-<file path=ppt/slides/slide3.xml><?xml version="1.0" encoding="utf-8"?>
-<p:sld xmlns:a="http://schemas.openxmlformats.org/drawingml/2006/main" xmlns:r="http://schemas.openxmlformats.org/officeDocument/2006/relationships" xmlns:p="http://schemas.openxmlformats.org/presentationml/2006/main">
-  <p:cSld>
-    <p:spTree>
-      <p:nvGrpSpPr>
-        <p:cNvPr id="1" name=""/>
-        <p:cNvGrpSpPr/>
-        <p:nvPr/>
-      </p:nvGrpSpPr>
-      <p:grpSpPr>
-        <a:xfrm>
-          <a:off x="0" y="0"/>
-          <a:ext cx="0" cy="0"/>
-          <a:chOff x="0" y="0"/>
-          <a:chExt cx="0" cy="0"/>
-        </a:xfrm>
-      </p:grpSpPr>
-      <p:sp>
-        <p:nvSpPr>
-          <p:cNvPr id="5" name="Titel 4">
-            <a:extLst>
-              <a:ext uri="{FF2B5EF4-FFF2-40B4-BE49-F238E27FC236}">
-                <a16:creationId xmlns:a16="http://schemas.microsoft.com/office/drawing/2014/main" id="{325FBF94-A0BB-F3F9-F7D0-94BEEA8BC561}"/>
-              </a:ext>
-            </a:extLst>
-          </p:cNvPr>
-          <p:cNvSpPr>
-            <a:spLocks noGrp="1"/>
-          </p:cNvSpPr>
-          <p:nvPr>
-            <p:ph type="title"/>
-          </p:nvPr>
-        </p:nvSpPr>
-        <p:spPr/>
-        <p:txBody>
-          <a:bodyPr/>
-          <a:lstStyle/>
-          <a:p>
-            <a:pPr algn="ctr"/>
-            <a:r>
-              <a:rPr lang="en-GB" b="1" dirty="0"/>
-              <a:t>Preliminary Data Analysis </a:t>
-            </a:r>
-            <a:r>
-              <a:rPr lang="en-GB" dirty="0"/>
-              <a:t>(Group 1)</a:t>
-            </a:r>
-          </a:p>
-        </p:txBody>
-      </p:sp>
-      <p:graphicFrame>
-        <p:nvGraphicFramePr>
-          <p:cNvPr id="11" name="Tabel 11">
-            <a:extLst>
-              <a:ext uri="{FF2B5EF4-FFF2-40B4-BE49-F238E27FC236}">
-                <a16:creationId xmlns:a16="http://schemas.microsoft.com/office/drawing/2014/main" id="{0B94C52C-809F-F6E8-C047-6AAF4731DB66}"/>
-              </a:ext>
-            </a:extLst>
-          </p:cNvPr>
-          <p:cNvGraphicFramePr>
-            <a:graphicFrameLocks noGrp="1"/>
-          </p:cNvGraphicFramePr>
-          <p:nvPr>
-            <p:ph idx="1"/>
-            <p:extLst>
-              <p:ext uri="{D42A27DB-BD31-4B8C-83A1-F6EECF244321}">
-                <p14:modId xmlns:p14="http://schemas.microsoft.com/office/powerpoint/2010/main" val="970640852"/>
-              </p:ext>
-            </p:extLst>
-          </p:nvPr>
-        </p:nvGraphicFramePr>
-        <p:xfrm>
-          <a:off x="1312327" y="1719580"/>
+          <a:off x="1309650" y="4688840"/>
           <a:ext cx="9719746" cy="1483360"/>
         </p:xfrm>
         <a:graphic>
@@ -6860,10 +5872,7 @@
                         <a:rPr lang="en-GB" dirty="0"/>
                         <a:t>Avg. Length (Words)</a:t>
                       </a:r>
-                      <a:r>
-                        <a:rPr lang="en-GB" baseline="30000" dirty="0"/>
-                        <a:t>1</a:t>
-                      </a:r>
+                      <a:endParaRPr lang="en-GB" baseline="30000" dirty="0"/>
                     </a:p>
                   </a:txBody>
                   <a:tcPr/>
@@ -6877,10 +5886,7 @@
                         <a:rPr lang="en-GB" dirty="0"/>
                         <a:t>Hashtag Presence</a:t>
                       </a:r>
-                      <a:r>
-                        <a:rPr lang="en-GB" baseline="30000" dirty="0"/>
-                        <a:t>2</a:t>
-                      </a:r>
+                      <a:endParaRPr lang="en-GB" baseline="30000" dirty="0"/>
                     </a:p>
                   </a:txBody>
                   <a:tcPr/>
@@ -6894,10 +5900,7 @@
                         <a:rPr lang="en-GB" dirty="0"/>
                         <a:t>Emoji Presence</a:t>
                       </a:r>
-                      <a:r>
-                        <a:rPr lang="en-GB" baseline="30000" dirty="0"/>
-                        <a:t>3</a:t>
-                      </a:r>
+                      <a:endParaRPr lang="en-GB" baseline="30000" dirty="0"/>
                     </a:p>
                   </a:txBody>
                   <a:tcPr/>
@@ -7128,277 +6131,934 @@
           </a:graphicData>
         </a:graphic>
       </p:graphicFrame>
+    </p:spTree>
+    <p:extLst>
+      <p:ext uri="{BB962C8B-B14F-4D97-AF65-F5344CB8AC3E}">
+        <p14:creationId xmlns:p14="http://schemas.microsoft.com/office/powerpoint/2010/main" val="1572316460"/>
+      </p:ext>
+    </p:extLst>
+  </p:cSld>
+  <p:clrMapOvr>
+    <a:masterClrMapping/>
+  </p:clrMapOvr>
+</p:sld>
+</file>
+
+<file path=ppt/slides/slide2.xml><?xml version="1.0" encoding="utf-8"?>
+<p:sld xmlns:a="http://schemas.openxmlformats.org/drawingml/2006/main" xmlns:r="http://schemas.openxmlformats.org/officeDocument/2006/relationships" xmlns:p="http://schemas.openxmlformats.org/presentationml/2006/main">
+  <p:cSld>
+    <p:spTree>
+      <p:nvGrpSpPr>
+        <p:cNvPr id="1" name=""/>
+        <p:cNvGrpSpPr/>
+        <p:nvPr/>
+      </p:nvGrpSpPr>
+      <p:grpSpPr>
+        <a:xfrm>
+          <a:off x="0" y="0"/>
+          <a:ext cx="0" cy="0"/>
+          <a:chOff x="0" y="0"/>
+          <a:chExt cx="0" cy="0"/>
+        </a:xfrm>
+      </p:grpSpPr>
       <p:sp>
         <p:nvSpPr>
-          <p:cNvPr id="12" name="Tijdelijke aanduiding voor inhoud 5">
+          <p:cNvPr id="2" name="Titel 1">
             <a:extLst>
               <a:ext uri="{FF2B5EF4-FFF2-40B4-BE49-F238E27FC236}">
-                <a16:creationId xmlns:a16="http://schemas.microsoft.com/office/drawing/2014/main" id="{E60E2660-7447-9603-743F-6442AC35D586}"/>
+                <a16:creationId xmlns:a16="http://schemas.microsoft.com/office/drawing/2014/main" id="{6E80ACF8-2289-3ACA-8F44-DA4E09A174AF}"/>
               </a:ext>
             </a:extLst>
           </p:cNvPr>
-          <p:cNvSpPr txBox="1">
-            <a:spLocks/>
+          <p:cNvSpPr>
+            <a:spLocks noGrp="1"/>
           </p:cNvSpPr>
-          <p:nvPr/>
+          <p:nvPr>
+            <p:ph type="title"/>
+          </p:nvPr>
         </p:nvSpPr>
-        <p:spPr>
-          <a:xfrm>
-            <a:off x="1371600" y="3655060"/>
-            <a:ext cx="9601200" cy="2212340"/>
-          </a:xfrm>
-          <a:prstGeom prst="rect">
-            <a:avLst/>
-          </a:prstGeom>
-        </p:spPr>
+        <p:spPr/>
         <p:txBody>
-          <a:bodyPr vert="horz" lIns="91440" tIns="45720" rIns="91440" bIns="45720" rtlCol="0">
-            <a:normAutofit/>
-          </a:bodyPr>
-          <a:lstStyle>
-            <a:lvl1pPr marL="384048" indent="-384048" algn="l" defTabSz="914400" rtl="0" eaLnBrk="1" latinLnBrk="0" hangingPunct="1">
-              <a:lnSpc>
-                <a:spcPct val="94000"/>
-              </a:lnSpc>
-              <a:spcBef>
-                <a:spcPts val="1000"/>
-              </a:spcBef>
-              <a:spcAft>
-                <a:spcPts val="200"/>
-              </a:spcAft>
-              <a:buFont typeface="Franklin Gothic Book" panose="020B0503020102020204" pitchFamily="34" charset="0"/>
-              <a:buChar char="■"/>
-              <a:defRPr sz="2000" kern="1200" baseline="0">
-                <a:solidFill>
-                  <a:schemeClr val="tx2"/>
-                </a:solidFill>
-                <a:latin typeface="+mn-lt"/>
-                <a:ea typeface="+mn-ea"/>
-                <a:cs typeface="+mn-cs"/>
-              </a:defRPr>
-            </a:lvl1pPr>
-            <a:lvl2pPr marL="914400" indent="-384048" algn="l" defTabSz="914400" rtl="0" eaLnBrk="1" latinLnBrk="0" hangingPunct="1">
-              <a:lnSpc>
-                <a:spcPct val="94000"/>
-              </a:lnSpc>
-              <a:spcBef>
-                <a:spcPts val="500"/>
-              </a:spcBef>
-              <a:spcAft>
-                <a:spcPts val="200"/>
-              </a:spcAft>
-              <a:buFont typeface="Franklin Gothic Book" panose="020B0503020102020204" pitchFamily="34" charset="0"/>
-              <a:buChar char="–"/>
-              <a:defRPr sz="2000" i="1" kern="1200" baseline="0">
-                <a:solidFill>
-                  <a:schemeClr val="tx2"/>
-                </a:solidFill>
-                <a:latin typeface="+mn-lt"/>
-                <a:ea typeface="+mn-ea"/>
-                <a:cs typeface="+mn-cs"/>
-              </a:defRPr>
-            </a:lvl2pPr>
-            <a:lvl3pPr marL="1371600" indent="-384048" algn="l" defTabSz="914400" rtl="0" eaLnBrk="1" latinLnBrk="0" hangingPunct="1">
-              <a:lnSpc>
-                <a:spcPct val="94000"/>
-              </a:lnSpc>
-              <a:spcBef>
-                <a:spcPts val="500"/>
-              </a:spcBef>
-              <a:spcAft>
-                <a:spcPts val="200"/>
-              </a:spcAft>
-              <a:buFont typeface="Franklin Gothic Book" panose="020B0503020102020204" pitchFamily="34" charset="0"/>
-              <a:buChar char="■"/>
-              <a:defRPr sz="1800" kern="1200" baseline="0">
-                <a:solidFill>
-                  <a:schemeClr val="tx2"/>
-                </a:solidFill>
-                <a:latin typeface="+mn-lt"/>
-                <a:ea typeface="+mn-ea"/>
-                <a:cs typeface="+mn-cs"/>
-              </a:defRPr>
-            </a:lvl3pPr>
-            <a:lvl4pPr marL="1828800" indent="-384048" algn="l" defTabSz="914400" rtl="0" eaLnBrk="1" latinLnBrk="0" hangingPunct="1">
-              <a:lnSpc>
-                <a:spcPct val="94000"/>
-              </a:lnSpc>
-              <a:spcBef>
-                <a:spcPts val="500"/>
-              </a:spcBef>
-              <a:spcAft>
-                <a:spcPts val="200"/>
-              </a:spcAft>
-              <a:buFont typeface="Franklin Gothic Book" panose="020B0503020102020204" pitchFamily="34" charset="0"/>
-              <a:buChar char="–"/>
-              <a:defRPr sz="1800" i="1" kern="1200" baseline="0">
-                <a:solidFill>
-                  <a:schemeClr val="tx2"/>
-                </a:solidFill>
-                <a:latin typeface="+mn-lt"/>
-                <a:ea typeface="+mn-ea"/>
-                <a:cs typeface="+mn-cs"/>
-              </a:defRPr>
-            </a:lvl4pPr>
-            <a:lvl5pPr marL="2286000" indent="-384048" algn="l" defTabSz="914400" rtl="0" eaLnBrk="1" latinLnBrk="0" hangingPunct="1">
-              <a:lnSpc>
-                <a:spcPct val="94000"/>
-              </a:lnSpc>
-              <a:spcBef>
-                <a:spcPts val="500"/>
-              </a:spcBef>
-              <a:spcAft>
-                <a:spcPts val="200"/>
-              </a:spcAft>
-              <a:buFont typeface="Franklin Gothic Book" panose="020B0503020102020204" pitchFamily="34" charset="0"/>
-              <a:buChar char="■"/>
-              <a:defRPr sz="1600" kern="1200" baseline="0">
-                <a:solidFill>
-                  <a:schemeClr val="tx2"/>
-                </a:solidFill>
-                <a:latin typeface="+mn-lt"/>
-                <a:ea typeface="+mn-ea"/>
-                <a:cs typeface="+mn-cs"/>
-              </a:defRPr>
-            </a:lvl5pPr>
-            <a:lvl6pPr marL="2743200" indent="-384048" algn="l" defTabSz="914400" rtl="0" eaLnBrk="1" latinLnBrk="0" hangingPunct="1">
-              <a:lnSpc>
-                <a:spcPct val="94000"/>
-              </a:lnSpc>
-              <a:spcBef>
-                <a:spcPts val="500"/>
-              </a:spcBef>
-              <a:spcAft>
-                <a:spcPts val="200"/>
-              </a:spcAft>
-              <a:buFont typeface="Franklin Gothic Book" panose="020B0503020102020204" pitchFamily="34" charset="0"/>
-              <a:buChar char="–"/>
-              <a:defRPr sz="1600" i="1" kern="1200" baseline="0">
-                <a:solidFill>
-                  <a:schemeClr val="tx2"/>
-                </a:solidFill>
-                <a:latin typeface="+mn-lt"/>
-                <a:ea typeface="+mn-ea"/>
-                <a:cs typeface="+mn-cs"/>
-              </a:defRPr>
-            </a:lvl6pPr>
-            <a:lvl7pPr marL="3200400" indent="-384048" algn="l" defTabSz="914400" rtl="0" eaLnBrk="1" latinLnBrk="0" hangingPunct="1">
-              <a:lnSpc>
-                <a:spcPct val="94000"/>
-              </a:lnSpc>
-              <a:spcBef>
-                <a:spcPts val="500"/>
-              </a:spcBef>
-              <a:spcAft>
-                <a:spcPts val="200"/>
-              </a:spcAft>
-              <a:buFont typeface="Franklin Gothic Book" panose="020B0503020102020204" pitchFamily="34" charset="0"/>
-              <a:buChar char="■"/>
-              <a:defRPr sz="1400" kern="1200" baseline="0">
-                <a:solidFill>
-                  <a:schemeClr val="tx2"/>
-                </a:solidFill>
-                <a:latin typeface="+mn-lt"/>
-                <a:ea typeface="+mn-ea"/>
-                <a:cs typeface="+mn-cs"/>
-              </a:defRPr>
-            </a:lvl7pPr>
-            <a:lvl8pPr marL="3657600" indent="-384048" algn="l" defTabSz="914400" rtl="0" eaLnBrk="1" latinLnBrk="0" hangingPunct="1">
-              <a:lnSpc>
-                <a:spcPct val="94000"/>
-              </a:lnSpc>
-              <a:spcBef>
-                <a:spcPts val="500"/>
-              </a:spcBef>
-              <a:spcAft>
-                <a:spcPts val="200"/>
-              </a:spcAft>
-              <a:buFont typeface="Franklin Gothic Book" panose="020B0503020102020204" pitchFamily="34" charset="0"/>
-              <a:buChar char="–"/>
-              <a:defRPr sz="1400" i="1" kern="1200" baseline="0">
-                <a:solidFill>
-                  <a:schemeClr val="tx2"/>
-                </a:solidFill>
-                <a:latin typeface="+mn-lt"/>
-                <a:ea typeface="+mn-ea"/>
-                <a:cs typeface="+mn-cs"/>
-              </a:defRPr>
-            </a:lvl8pPr>
-            <a:lvl9pPr marL="4114800" indent="-384048" algn="l" defTabSz="914400" rtl="0" eaLnBrk="1" latinLnBrk="0" hangingPunct="1">
-              <a:lnSpc>
-                <a:spcPct val="94000"/>
-              </a:lnSpc>
-              <a:spcBef>
-                <a:spcPts val="500"/>
-              </a:spcBef>
-              <a:spcAft>
-                <a:spcPts val="200"/>
-              </a:spcAft>
-              <a:buFont typeface="Franklin Gothic Book" panose="020B0503020102020204" pitchFamily="34" charset="0"/>
-              <a:buChar char="■"/>
-              <a:defRPr sz="1400" kern="1200" baseline="0">
-                <a:solidFill>
-                  <a:schemeClr val="tx2"/>
-                </a:solidFill>
-                <a:latin typeface="+mn-lt"/>
-                <a:ea typeface="+mn-ea"/>
-                <a:cs typeface="+mn-cs"/>
-              </a:defRPr>
-            </a:lvl9pPr>
-          </a:lstStyle>
-          <a:p>
-            <a:pPr marL="0" indent="0">
-              <a:buNone/>
-            </a:pPr>
+          <a:bodyPr/>
+          <a:lstStyle/>
+          <a:p>
+            <a:pPr algn="ctr"/>
             <a:r>
-              <a:rPr lang="en-GB" baseline="30000" dirty="0"/>
-              <a:t>1</a:t>
+              <a:rPr lang="en-GB" b="1" dirty="0"/>
+              <a:t>Preliminary Data Analysis </a:t>
             </a:r>
             <a:r>
               <a:rPr lang="en-GB" dirty="0"/>
-              <a:t> NLTK’s </a:t>
+              <a:t>(Group 1)</a:t>
             </a:r>
-            <a:r>
-              <a:rPr lang="en-GB" dirty="0" err="1"/>
-              <a:t>RegexTokenizer</a:t>
-            </a:r>
-            <a:r>
-              <a:rPr lang="en-GB" dirty="0"/>
-              <a:t>:	 ‘r/w+’</a:t>
-            </a:r>
-          </a:p>
-          <a:p>
-            <a:pPr marL="0" indent="0">
-              <a:buNone/>
-            </a:pPr>
-            <a:r>
-              <a:rPr lang="en-GB" baseline="30000" dirty="0"/>
-              <a:t>2</a:t>
-            </a:r>
-            <a:r>
-              <a:rPr lang="en-GB" dirty="0"/>
-              <a:t> Rudimental Approach: Split on spaces, first character is ‘#’</a:t>
-            </a:r>
-          </a:p>
-          <a:p>
-            <a:pPr marL="0" indent="0">
-              <a:buNone/>
-            </a:pPr>
-            <a:r>
-              <a:rPr lang="en-GB" baseline="30000" dirty="0"/>
-              <a:t>3</a:t>
-            </a:r>
-            <a:r>
-              <a:rPr lang="en-GB" dirty="0"/>
-              <a:t> Emoji Library</a:t>
-            </a:r>
+            <a:endParaRPr lang="nl-NL" dirty="0"/>
           </a:p>
         </p:txBody>
       </p:sp>
+      <p:graphicFrame>
+        <p:nvGraphicFramePr>
+          <p:cNvPr id="4" name="Tabel 4">
+            <a:extLst>
+              <a:ext uri="{FF2B5EF4-FFF2-40B4-BE49-F238E27FC236}">
+                <a16:creationId xmlns:a16="http://schemas.microsoft.com/office/drawing/2014/main" id="{6FB28C4F-7B3A-969D-479B-19D52D5AA164}"/>
+              </a:ext>
+            </a:extLst>
+          </p:cNvPr>
+          <p:cNvGraphicFramePr>
+            <a:graphicFrameLocks noGrp="1"/>
+          </p:cNvGraphicFramePr>
+          <p:nvPr>
+            <p:ph idx="1"/>
+            <p:extLst>
+              <p:ext uri="{D42A27DB-BD31-4B8C-83A1-F6EECF244321}">
+                <p14:modId xmlns:p14="http://schemas.microsoft.com/office/powerpoint/2010/main" val="1288739341"/>
+              </p:ext>
+            </p:extLst>
+          </p:nvPr>
+        </p:nvGraphicFramePr>
+        <p:xfrm>
+          <a:off x="1219203" y="1642783"/>
+          <a:ext cx="9601197" cy="4725146"/>
+        </p:xfrm>
+        <a:graphic>
+          <a:graphicData uri="http://schemas.openxmlformats.org/drawingml/2006/table">
+            <a:tbl>
+              <a:tblPr firstRow="1" bandRow="1">
+                <a:tableStyleId>{073A0DAA-6AF3-43AB-8588-CEC1D06C72B9}</a:tableStyleId>
+              </a:tblPr>
+              <a:tblGrid>
+                <a:gridCol w="2394856">
+                  <a:extLst>
+                    <a:ext uri="{9D8B030D-6E8A-4147-A177-3AD203B41FA5}">
+                      <a16:colId xmlns:a16="http://schemas.microsoft.com/office/drawing/2014/main" val="994006166"/>
+                    </a:ext>
+                  </a:extLst>
+                </a:gridCol>
+                <a:gridCol w="5162388">
+                  <a:extLst>
+                    <a:ext uri="{9D8B030D-6E8A-4147-A177-3AD203B41FA5}">
+                      <a16:colId xmlns:a16="http://schemas.microsoft.com/office/drawing/2014/main" val="538625137"/>
+                    </a:ext>
+                  </a:extLst>
+                </a:gridCol>
+                <a:gridCol w="2043953">
+                  <a:extLst>
+                    <a:ext uri="{9D8B030D-6E8A-4147-A177-3AD203B41FA5}">
+                      <a16:colId xmlns:a16="http://schemas.microsoft.com/office/drawing/2014/main" val="874477563"/>
+                    </a:ext>
+                  </a:extLst>
+                </a:gridCol>
+              </a:tblGrid>
+              <a:tr h="370840">
+                <a:tc>
+                  <a:txBody>
+                    <a:bodyPr/>
+                    <a:lstStyle/>
+                    <a:p>
+                      <a:r>
+                        <a:rPr lang="nl-NL" dirty="0" err="1"/>
+                        <a:t>Category</a:t>
+                      </a:r>
+                      <a:r>
+                        <a:rPr lang="nl-NL" dirty="0"/>
+                        <a:t> </a:t>
+                      </a:r>
+                      <a:r>
+                        <a:rPr lang="nl-NL" dirty="0" err="1"/>
+                        <a:t>Task</a:t>
+                      </a:r>
+                      <a:r>
+                        <a:rPr lang="nl-NL" dirty="0"/>
+                        <a:t> B</a:t>
+                      </a:r>
+                    </a:p>
+                  </a:txBody>
+                  <a:tcPr/>
+                </a:tc>
+                <a:tc>
+                  <a:txBody>
+                    <a:bodyPr/>
+                    <a:lstStyle/>
+                    <a:p>
+                      <a:r>
+                        <a:rPr lang="nl-NL" dirty="0" err="1"/>
+                        <a:t>Category</a:t>
+                      </a:r>
+                      <a:r>
+                        <a:rPr lang="nl-NL" dirty="0"/>
+                        <a:t> </a:t>
+                      </a:r>
+                      <a:r>
+                        <a:rPr lang="nl-NL" dirty="0" err="1"/>
+                        <a:t>Task</a:t>
+                      </a:r>
+                      <a:r>
+                        <a:rPr lang="nl-NL" dirty="0"/>
+                        <a:t> C</a:t>
+                      </a:r>
+                    </a:p>
+                  </a:txBody>
+                  <a:tcPr/>
+                </a:tc>
+                <a:tc>
+                  <a:txBody>
+                    <a:bodyPr/>
+                    <a:lstStyle/>
+                    <a:p>
+                      <a:r>
+                        <a:rPr lang="nl-NL" dirty="0"/>
+                        <a:t>Percentage (of </a:t>
+                      </a:r>
+                      <a:r>
+                        <a:rPr lang="nl-NL" dirty="0" err="1"/>
+                        <a:t>sexist</a:t>
+                      </a:r>
+                      <a:r>
+                        <a:rPr lang="nl-NL" dirty="0"/>
+                        <a:t> </a:t>
+                      </a:r>
+                      <a:r>
+                        <a:rPr lang="nl-NL" dirty="0" err="1"/>
+                        <a:t>messages</a:t>
+                      </a:r>
+                      <a:r>
+                        <a:rPr lang="nl-NL" dirty="0"/>
+                        <a:t>) </a:t>
+                      </a:r>
+                    </a:p>
+                  </a:txBody>
+                  <a:tcPr/>
+                </a:tc>
+                <a:extLst>
+                  <a:ext uri="{0D108BD9-81ED-4DB2-BD59-A6C34878D82A}">
+                    <a16:rowId xmlns:a16="http://schemas.microsoft.com/office/drawing/2014/main" val="346618722"/>
+                  </a:ext>
+                </a:extLst>
+              </a:tr>
+              <a:tr h="370840">
+                <a:tc>
+                  <a:txBody>
+                    <a:bodyPr/>
+                    <a:lstStyle/>
+                    <a:p>
+                      <a:r>
+                        <a:rPr lang="nl-NL" dirty="0" err="1"/>
+                        <a:t>Threats</a:t>
+                      </a:r>
+                      <a:endParaRPr lang="nl-NL" dirty="0"/>
+                    </a:p>
+                  </a:txBody>
+                  <a:tcPr/>
+                </a:tc>
+                <a:tc>
+                  <a:txBody>
+                    <a:bodyPr/>
+                    <a:lstStyle/>
+                    <a:p>
+                      <a:r>
+                        <a:rPr lang="nl-NL" dirty="0" err="1"/>
+                        <a:t>Threats</a:t>
+                      </a:r>
+                      <a:r>
+                        <a:rPr lang="nl-NL" dirty="0"/>
+                        <a:t> of Harm</a:t>
+                      </a:r>
+                    </a:p>
+                  </a:txBody>
+                  <a:tcPr/>
+                </a:tc>
+                <a:tc>
+                  <a:txBody>
+                    <a:bodyPr/>
+                    <a:lstStyle/>
+                    <a:p>
+                      <a:r>
+                        <a:rPr lang="nl-NL" dirty="0"/>
+                        <a:t>1.6%</a:t>
+                      </a:r>
+                    </a:p>
+                  </a:txBody>
+                  <a:tcPr/>
+                </a:tc>
+                <a:extLst>
+                  <a:ext uri="{0D108BD9-81ED-4DB2-BD59-A6C34878D82A}">
+                    <a16:rowId xmlns:a16="http://schemas.microsoft.com/office/drawing/2014/main" val="1078567244"/>
+                  </a:ext>
+                </a:extLst>
+              </a:tr>
+              <a:tr h="376666">
+                <a:tc>
+                  <a:txBody>
+                    <a:bodyPr/>
+                    <a:lstStyle/>
+                    <a:p>
+                      <a:endParaRPr lang="nl-NL" dirty="0"/>
+                    </a:p>
+                  </a:txBody>
+                  <a:tcPr/>
+                </a:tc>
+                <a:tc>
+                  <a:txBody>
+                    <a:bodyPr/>
+                    <a:lstStyle/>
+                    <a:p>
+                      <a:r>
+                        <a:rPr lang="nl-NL" dirty="0" err="1"/>
+                        <a:t>Incitement</a:t>
+                      </a:r>
+                      <a:r>
+                        <a:rPr lang="nl-NL" dirty="0"/>
+                        <a:t> </a:t>
+                      </a:r>
+                      <a:r>
+                        <a:rPr lang="nl-NL" dirty="0" err="1"/>
+                        <a:t>and</a:t>
+                      </a:r>
+                      <a:r>
+                        <a:rPr lang="nl-NL" dirty="0"/>
+                        <a:t> </a:t>
+                      </a:r>
+                      <a:r>
+                        <a:rPr lang="nl-NL" dirty="0" err="1"/>
+                        <a:t>encouragement</a:t>
+                      </a:r>
+                      <a:r>
+                        <a:rPr lang="nl-NL" dirty="0"/>
+                        <a:t> of </a:t>
+                      </a:r>
+                      <a:r>
+                        <a:rPr lang="nl-NL" dirty="0" err="1"/>
+                        <a:t>harm</a:t>
+                      </a:r>
+                      <a:endParaRPr lang="nl-NL" dirty="0"/>
+                    </a:p>
+                  </a:txBody>
+                  <a:tcPr/>
+                </a:tc>
+                <a:tc>
+                  <a:txBody>
+                    <a:bodyPr/>
+                    <a:lstStyle/>
+                    <a:p>
+                      <a:r>
+                        <a:rPr lang="nl-NL" dirty="0"/>
+                        <a:t>7.5%</a:t>
+                      </a:r>
+                    </a:p>
+                  </a:txBody>
+                  <a:tcPr/>
+                </a:tc>
+                <a:extLst>
+                  <a:ext uri="{0D108BD9-81ED-4DB2-BD59-A6C34878D82A}">
+                    <a16:rowId xmlns:a16="http://schemas.microsoft.com/office/drawing/2014/main" val="1089931574"/>
+                  </a:ext>
+                </a:extLst>
+              </a:tr>
+              <a:tr h="370840">
+                <a:tc>
+                  <a:txBody>
+                    <a:bodyPr/>
+                    <a:lstStyle/>
+                    <a:p>
+                      <a:r>
+                        <a:rPr lang="nl-NL" dirty="0" err="1"/>
+                        <a:t>Derogation</a:t>
+                      </a:r>
+                      <a:endParaRPr lang="nl-NL" dirty="0"/>
+                    </a:p>
+                  </a:txBody>
+                  <a:tcPr/>
+                </a:tc>
+                <a:tc>
+                  <a:txBody>
+                    <a:bodyPr/>
+                    <a:lstStyle/>
+                    <a:p>
+                      <a:r>
+                        <a:rPr lang="nl-NL" dirty="0" err="1"/>
+                        <a:t>Descriptive</a:t>
+                      </a:r>
+                      <a:r>
+                        <a:rPr lang="nl-NL" dirty="0"/>
+                        <a:t> attacks</a:t>
+                      </a:r>
+                    </a:p>
+                  </a:txBody>
+                  <a:tcPr/>
+                </a:tc>
+                <a:tc>
+                  <a:txBody>
+                    <a:bodyPr/>
+                    <a:lstStyle/>
+                    <a:p>
+                      <a:r>
+                        <a:rPr lang="nl-NL" dirty="0"/>
+                        <a:t>21.2%</a:t>
+                      </a:r>
+                    </a:p>
+                  </a:txBody>
+                  <a:tcPr/>
+                </a:tc>
+                <a:extLst>
+                  <a:ext uri="{0D108BD9-81ED-4DB2-BD59-A6C34878D82A}">
+                    <a16:rowId xmlns:a16="http://schemas.microsoft.com/office/drawing/2014/main" val="1454434752"/>
+                  </a:ext>
+                </a:extLst>
+              </a:tr>
+              <a:tr h="370840">
+                <a:tc>
+                  <a:txBody>
+                    <a:bodyPr/>
+                    <a:lstStyle/>
+                    <a:p>
+                      <a:endParaRPr lang="nl-NL"/>
+                    </a:p>
+                  </a:txBody>
+                  <a:tcPr/>
+                </a:tc>
+                <a:tc>
+                  <a:txBody>
+                    <a:bodyPr/>
+                    <a:lstStyle/>
+                    <a:p>
+                      <a:r>
+                        <a:rPr lang="nl-NL" dirty="0" err="1"/>
+                        <a:t>Aggressive</a:t>
+                      </a:r>
+                      <a:r>
+                        <a:rPr lang="nl-NL" dirty="0"/>
+                        <a:t> </a:t>
+                      </a:r>
+                      <a:r>
+                        <a:rPr lang="nl-NL" dirty="0" err="1"/>
+                        <a:t>and</a:t>
+                      </a:r>
+                      <a:r>
+                        <a:rPr lang="nl-NL" dirty="0"/>
+                        <a:t> </a:t>
+                      </a:r>
+                      <a:r>
+                        <a:rPr lang="nl-NL" dirty="0" err="1"/>
+                        <a:t>emotive</a:t>
+                      </a:r>
+                      <a:r>
+                        <a:rPr lang="nl-NL" dirty="0"/>
+                        <a:t> attacks</a:t>
+                      </a:r>
+                    </a:p>
+                  </a:txBody>
+                  <a:tcPr/>
+                </a:tc>
+                <a:tc>
+                  <a:txBody>
+                    <a:bodyPr/>
+                    <a:lstStyle/>
+                    <a:p>
+                      <a:r>
+                        <a:rPr lang="nl-NL" dirty="0"/>
+                        <a:t>19.8%</a:t>
+                      </a:r>
+                    </a:p>
+                  </a:txBody>
+                  <a:tcPr/>
+                </a:tc>
+                <a:extLst>
+                  <a:ext uri="{0D108BD9-81ED-4DB2-BD59-A6C34878D82A}">
+                    <a16:rowId xmlns:a16="http://schemas.microsoft.com/office/drawing/2014/main" val="2976594338"/>
+                  </a:ext>
+                </a:extLst>
+              </a:tr>
+              <a:tr h="370840">
+                <a:tc>
+                  <a:txBody>
+                    <a:bodyPr/>
+                    <a:lstStyle/>
+                    <a:p>
+                      <a:endParaRPr lang="nl-NL"/>
+                    </a:p>
+                  </a:txBody>
+                  <a:tcPr/>
+                </a:tc>
+                <a:tc>
+                  <a:txBody>
+                    <a:bodyPr/>
+                    <a:lstStyle/>
+                    <a:p>
+                      <a:r>
+                        <a:rPr lang="nl-NL" dirty="0" err="1"/>
+                        <a:t>Dehumanisation</a:t>
+                      </a:r>
+                      <a:r>
+                        <a:rPr lang="nl-NL" dirty="0"/>
+                        <a:t> </a:t>
+                      </a:r>
+                      <a:r>
+                        <a:rPr lang="nl-NL" dirty="0" err="1"/>
+                        <a:t>and</a:t>
+                      </a:r>
+                      <a:r>
+                        <a:rPr lang="nl-NL" dirty="0"/>
+                        <a:t> </a:t>
+                      </a:r>
+                      <a:r>
+                        <a:rPr lang="nl-NL" dirty="0" err="1"/>
+                        <a:t>overt</a:t>
+                      </a:r>
+                      <a:r>
+                        <a:rPr lang="nl-NL" dirty="0"/>
+                        <a:t> </a:t>
+                      </a:r>
+                      <a:r>
+                        <a:rPr lang="nl-NL" dirty="0" err="1"/>
+                        <a:t>sexual</a:t>
+                      </a:r>
+                      <a:r>
+                        <a:rPr lang="nl-NL" dirty="0"/>
+                        <a:t> </a:t>
+                      </a:r>
+                      <a:r>
+                        <a:rPr lang="nl-NL" dirty="0" err="1"/>
+                        <a:t>objectification</a:t>
+                      </a:r>
+                      <a:endParaRPr lang="nl-NL" dirty="0"/>
+                    </a:p>
+                  </a:txBody>
+                  <a:tcPr/>
+                </a:tc>
+                <a:tc>
+                  <a:txBody>
+                    <a:bodyPr/>
+                    <a:lstStyle/>
+                    <a:p>
+                      <a:r>
+                        <a:rPr lang="nl-NL" dirty="0"/>
+                        <a:t>5.9%</a:t>
+                      </a:r>
+                    </a:p>
+                  </a:txBody>
+                  <a:tcPr/>
+                </a:tc>
+                <a:extLst>
+                  <a:ext uri="{0D108BD9-81ED-4DB2-BD59-A6C34878D82A}">
+                    <a16:rowId xmlns:a16="http://schemas.microsoft.com/office/drawing/2014/main" val="380016199"/>
+                  </a:ext>
+                </a:extLst>
+              </a:tr>
+              <a:tr h="370840">
+                <a:tc>
+                  <a:txBody>
+                    <a:bodyPr/>
+                    <a:lstStyle/>
+                    <a:p>
+                      <a:r>
+                        <a:rPr lang="nl-NL" dirty="0" err="1"/>
+                        <a:t>Animosity</a:t>
+                      </a:r>
+                      <a:endParaRPr lang="nl-NL" dirty="0"/>
+                    </a:p>
+                  </a:txBody>
+                  <a:tcPr/>
+                </a:tc>
+                <a:tc>
+                  <a:txBody>
+                    <a:bodyPr/>
+                    <a:lstStyle/>
+                    <a:p>
+                      <a:r>
+                        <a:rPr lang="nl-NL" dirty="0"/>
+                        <a:t>Casual </a:t>
+                      </a:r>
+                      <a:r>
+                        <a:rPr lang="nl-NL" dirty="0" err="1"/>
+                        <a:t>use</a:t>
+                      </a:r>
+                      <a:r>
+                        <a:rPr lang="nl-NL" dirty="0"/>
+                        <a:t> of </a:t>
+                      </a:r>
+                      <a:r>
+                        <a:rPr lang="nl-NL" dirty="0" err="1"/>
+                        <a:t>gendered</a:t>
+                      </a:r>
+                      <a:r>
+                        <a:rPr lang="nl-NL" dirty="0"/>
+                        <a:t> </a:t>
+                      </a:r>
+                      <a:r>
+                        <a:rPr lang="nl-NL" dirty="0" err="1"/>
+                        <a:t>slurs</a:t>
+                      </a:r>
+                      <a:r>
+                        <a:rPr lang="nl-NL" dirty="0"/>
+                        <a:t>, </a:t>
+                      </a:r>
+                      <a:r>
+                        <a:rPr lang="nl-NL" dirty="0" err="1"/>
+                        <a:t>profanities</a:t>
+                      </a:r>
+                      <a:r>
+                        <a:rPr lang="nl-NL" dirty="0"/>
+                        <a:t> &amp; </a:t>
+                      </a:r>
+                      <a:r>
+                        <a:rPr lang="nl-NL" dirty="0" err="1"/>
+                        <a:t>insults</a:t>
+                      </a:r>
+                      <a:endParaRPr lang="nl-NL" dirty="0"/>
+                    </a:p>
+                  </a:txBody>
+                  <a:tcPr/>
+                </a:tc>
+                <a:tc>
+                  <a:txBody>
+                    <a:bodyPr/>
+                    <a:lstStyle/>
+                    <a:p>
+                      <a:r>
+                        <a:rPr lang="nl-NL" dirty="0"/>
+                        <a:t>18.7%</a:t>
+                      </a:r>
+                    </a:p>
+                  </a:txBody>
+                  <a:tcPr/>
+                </a:tc>
+                <a:extLst>
+                  <a:ext uri="{0D108BD9-81ED-4DB2-BD59-A6C34878D82A}">
+                    <a16:rowId xmlns:a16="http://schemas.microsoft.com/office/drawing/2014/main" val="3679017217"/>
+                  </a:ext>
+                </a:extLst>
+              </a:tr>
+              <a:tr h="370840">
+                <a:tc>
+                  <a:txBody>
+                    <a:bodyPr/>
+                    <a:lstStyle/>
+                    <a:p>
+                      <a:endParaRPr lang="nl-NL" dirty="0"/>
+                    </a:p>
+                  </a:txBody>
+                  <a:tcPr/>
+                </a:tc>
+                <a:tc>
+                  <a:txBody>
+                    <a:bodyPr/>
+                    <a:lstStyle/>
+                    <a:p>
+                      <a:r>
+                        <a:rPr lang="nl-NL" dirty="0" err="1"/>
+                        <a:t>Immutable</a:t>
+                      </a:r>
+                      <a:r>
+                        <a:rPr lang="nl-NL" dirty="0"/>
+                        <a:t> gender stereotypes</a:t>
+                      </a:r>
+                    </a:p>
+                  </a:txBody>
+                  <a:tcPr/>
+                </a:tc>
+                <a:tc>
+                  <a:txBody>
+                    <a:bodyPr/>
+                    <a:lstStyle/>
+                    <a:p>
+                      <a:r>
+                        <a:rPr lang="nl-NL" dirty="0"/>
+                        <a:t>12.3%</a:t>
+                      </a:r>
+                    </a:p>
+                  </a:txBody>
+                  <a:tcPr/>
+                </a:tc>
+                <a:extLst>
+                  <a:ext uri="{0D108BD9-81ED-4DB2-BD59-A6C34878D82A}">
+                    <a16:rowId xmlns:a16="http://schemas.microsoft.com/office/drawing/2014/main" val="245040289"/>
+                  </a:ext>
+                </a:extLst>
+              </a:tr>
+              <a:tr h="370840">
+                <a:tc>
+                  <a:txBody>
+                    <a:bodyPr/>
+                    <a:lstStyle/>
+                    <a:p>
+                      <a:endParaRPr lang="nl-NL" dirty="0"/>
+                    </a:p>
+                  </a:txBody>
+                  <a:tcPr/>
+                </a:tc>
+                <a:tc>
+                  <a:txBody>
+                    <a:bodyPr/>
+                    <a:lstStyle/>
+                    <a:p>
+                      <a:r>
+                        <a:rPr lang="nl-NL" dirty="0" err="1"/>
+                        <a:t>Backhanded</a:t>
+                      </a:r>
+                      <a:r>
+                        <a:rPr lang="nl-NL" dirty="0"/>
+                        <a:t> </a:t>
+                      </a:r>
+                      <a:r>
+                        <a:rPr lang="nl-NL" dirty="0" err="1"/>
+                        <a:t>gendered</a:t>
+                      </a:r>
+                      <a:r>
+                        <a:rPr lang="nl-NL" dirty="0"/>
+                        <a:t> </a:t>
+                      </a:r>
+                      <a:r>
+                        <a:rPr lang="nl-NL" dirty="0" err="1"/>
+                        <a:t>compliments</a:t>
+                      </a:r>
+                      <a:endParaRPr lang="nl-NL" dirty="0"/>
+                    </a:p>
+                  </a:txBody>
+                  <a:tcPr/>
+                </a:tc>
+                <a:tc>
+                  <a:txBody>
+                    <a:bodyPr/>
+                    <a:lstStyle/>
+                    <a:p>
+                      <a:r>
+                        <a:rPr lang="nl-NL" dirty="0"/>
+                        <a:t>1.9%</a:t>
+                      </a:r>
+                    </a:p>
+                  </a:txBody>
+                  <a:tcPr/>
+                </a:tc>
+                <a:extLst>
+                  <a:ext uri="{0D108BD9-81ED-4DB2-BD59-A6C34878D82A}">
+                    <a16:rowId xmlns:a16="http://schemas.microsoft.com/office/drawing/2014/main" val="1057754766"/>
+                  </a:ext>
+                </a:extLst>
+              </a:tr>
+              <a:tr h="370840">
+                <a:tc>
+                  <a:txBody>
+                    <a:bodyPr/>
+                    <a:lstStyle/>
+                    <a:p>
+                      <a:endParaRPr lang="nl-NL" dirty="0"/>
+                    </a:p>
+                  </a:txBody>
+                  <a:tcPr/>
+                </a:tc>
+                <a:tc>
+                  <a:txBody>
+                    <a:bodyPr/>
+                    <a:lstStyle/>
+                    <a:p>
+                      <a:r>
+                        <a:rPr lang="nl-NL" dirty="0" err="1"/>
+                        <a:t>Condescending</a:t>
+                      </a:r>
+                      <a:r>
+                        <a:rPr lang="nl-NL" dirty="0"/>
+                        <a:t> </a:t>
+                      </a:r>
+                      <a:r>
+                        <a:rPr lang="nl-NL" dirty="0" err="1"/>
+                        <a:t>explanations</a:t>
+                      </a:r>
+                      <a:r>
+                        <a:rPr lang="nl-NL" dirty="0"/>
+                        <a:t> or </a:t>
+                      </a:r>
+                      <a:r>
+                        <a:rPr lang="nl-NL" dirty="0" err="1"/>
+                        <a:t>unwelcome</a:t>
+                      </a:r>
+                      <a:r>
+                        <a:rPr lang="nl-NL" dirty="0"/>
+                        <a:t> </a:t>
+                      </a:r>
+                      <a:r>
+                        <a:rPr lang="nl-NL" dirty="0" err="1"/>
+                        <a:t>advice</a:t>
+                      </a:r>
+                      <a:endParaRPr lang="nl-NL" dirty="0"/>
+                    </a:p>
+                  </a:txBody>
+                  <a:tcPr/>
+                </a:tc>
+                <a:tc>
+                  <a:txBody>
+                    <a:bodyPr/>
+                    <a:lstStyle/>
+                    <a:p>
+                      <a:r>
+                        <a:rPr lang="nl-NL" dirty="0"/>
+                        <a:t>1.4%</a:t>
+                      </a:r>
+                    </a:p>
+                  </a:txBody>
+                  <a:tcPr/>
+                </a:tc>
+                <a:extLst>
+                  <a:ext uri="{0D108BD9-81ED-4DB2-BD59-A6C34878D82A}">
+                    <a16:rowId xmlns:a16="http://schemas.microsoft.com/office/drawing/2014/main" val="254567930"/>
+                  </a:ext>
+                </a:extLst>
+              </a:tr>
+              <a:tr h="370840">
+                <a:tc>
+                  <a:txBody>
+                    <a:bodyPr/>
+                    <a:lstStyle/>
+                    <a:p>
+                      <a:r>
+                        <a:rPr lang="nl-NL" dirty="0" err="1"/>
+                        <a:t>Prejudiced</a:t>
+                      </a:r>
+                      <a:r>
+                        <a:rPr lang="nl-NL" dirty="0"/>
+                        <a:t> </a:t>
+                      </a:r>
+                      <a:r>
+                        <a:rPr lang="nl-NL" dirty="0" err="1"/>
+                        <a:t>Discussion</a:t>
+                      </a:r>
+                      <a:endParaRPr lang="nl-NL" dirty="0"/>
+                    </a:p>
+                  </a:txBody>
+                  <a:tcPr/>
+                </a:tc>
+                <a:tc>
+                  <a:txBody>
+                    <a:bodyPr/>
+                    <a:lstStyle/>
+                    <a:p>
+                      <a:r>
+                        <a:rPr lang="nl-NL" dirty="0" err="1"/>
+                        <a:t>Supporting</a:t>
+                      </a:r>
+                      <a:r>
+                        <a:rPr lang="nl-NL" dirty="0"/>
+                        <a:t> mistreatment of </a:t>
+                      </a:r>
+                      <a:r>
+                        <a:rPr lang="nl-NL" dirty="0" err="1"/>
+                        <a:t>individual</a:t>
+                      </a:r>
+                      <a:r>
+                        <a:rPr lang="nl-NL" dirty="0"/>
+                        <a:t> </a:t>
+                      </a:r>
+                      <a:r>
+                        <a:rPr lang="nl-NL" dirty="0" err="1"/>
+                        <a:t>women</a:t>
+                      </a:r>
+                      <a:endParaRPr lang="nl-NL" dirty="0"/>
+                    </a:p>
+                  </a:txBody>
+                  <a:tcPr/>
+                </a:tc>
+                <a:tc>
+                  <a:txBody>
+                    <a:bodyPr/>
+                    <a:lstStyle/>
+                    <a:p>
+                      <a:r>
+                        <a:rPr lang="nl-NL" dirty="0"/>
+                        <a:t>2.2%</a:t>
+                      </a:r>
+                    </a:p>
+                  </a:txBody>
+                  <a:tcPr/>
+                </a:tc>
+                <a:extLst>
+                  <a:ext uri="{0D108BD9-81ED-4DB2-BD59-A6C34878D82A}">
+                    <a16:rowId xmlns:a16="http://schemas.microsoft.com/office/drawing/2014/main" val="1218153445"/>
+                  </a:ext>
+                </a:extLst>
+              </a:tr>
+              <a:tr h="370840">
+                <a:tc>
+                  <a:txBody>
+                    <a:bodyPr/>
+                    <a:lstStyle/>
+                    <a:p>
+                      <a:endParaRPr lang="nl-NL" dirty="0"/>
+                    </a:p>
+                  </a:txBody>
+                  <a:tcPr/>
+                </a:tc>
+                <a:tc>
+                  <a:txBody>
+                    <a:bodyPr/>
+                    <a:lstStyle/>
+                    <a:p>
+                      <a:r>
+                        <a:rPr lang="nl-NL" dirty="0" err="1"/>
+                        <a:t>Supporting</a:t>
+                      </a:r>
+                      <a:r>
+                        <a:rPr lang="nl-NL" dirty="0"/>
+                        <a:t> </a:t>
+                      </a:r>
+                      <a:r>
+                        <a:rPr lang="nl-NL" dirty="0" err="1"/>
+                        <a:t>systemic</a:t>
+                      </a:r>
+                      <a:r>
+                        <a:rPr lang="nl-NL" dirty="0"/>
+                        <a:t> </a:t>
+                      </a:r>
+                      <a:r>
+                        <a:rPr lang="nl-NL" dirty="0" err="1"/>
+                        <a:t>discrimination</a:t>
+                      </a:r>
+                      <a:r>
+                        <a:rPr lang="nl-NL" dirty="0"/>
+                        <a:t> </a:t>
+                      </a:r>
+                      <a:r>
+                        <a:rPr lang="nl-NL" dirty="0" err="1"/>
+                        <a:t>against</a:t>
+                      </a:r>
+                      <a:r>
+                        <a:rPr lang="nl-NL" dirty="0"/>
+                        <a:t> </a:t>
+                      </a:r>
+                      <a:r>
+                        <a:rPr lang="nl-NL" dirty="0" err="1"/>
+                        <a:t>women</a:t>
+                      </a:r>
+                      <a:endParaRPr lang="nl-NL" dirty="0"/>
+                    </a:p>
+                  </a:txBody>
+                  <a:tcPr/>
+                </a:tc>
+                <a:tc>
+                  <a:txBody>
+                    <a:bodyPr/>
+                    <a:lstStyle/>
+                    <a:p>
+                      <a:r>
+                        <a:rPr lang="nl-NL" dirty="0"/>
+                        <a:t>7.6%</a:t>
+                      </a:r>
+                    </a:p>
+                  </a:txBody>
+                  <a:tcPr/>
+                </a:tc>
+                <a:extLst>
+                  <a:ext uri="{0D108BD9-81ED-4DB2-BD59-A6C34878D82A}">
+                    <a16:rowId xmlns:a16="http://schemas.microsoft.com/office/drawing/2014/main" val="1927840270"/>
+                  </a:ext>
+                </a:extLst>
+              </a:tr>
+            </a:tbl>
+          </a:graphicData>
+        </a:graphic>
+      </p:graphicFrame>
     </p:spTree>
     <p:extLst>
       <p:ext uri="{BB962C8B-B14F-4D97-AF65-F5344CB8AC3E}">
-        <p14:creationId xmlns:p14="http://schemas.microsoft.com/office/powerpoint/2010/main" val="706236860"/>
+        <p14:creationId xmlns:p14="http://schemas.microsoft.com/office/powerpoint/2010/main" val="334653448"/>
       </p:ext>
     </p:extLst>
   </p:cSld>
